--- a/Presentation.pptx
+++ b/Presentation.pptx
@@ -256,7 +256,7 @@
           <a:p>
             <a:fld id="{C238102F-BFA3-4357-9FA0-3A064E6F1B5A}" type="datetimeFigureOut">
               <a:rPr lang="en-US" smtClean="0"/>
-              <a:t>11/14/2022</a:t>
+              <a:t>11/16/2022</a:t>
             </a:fld>
             <a:endParaRPr lang="en-US" dirty="0"/>
           </a:p>
@@ -12824,18 +12824,18 @@
       </p:sp>
       <p:sp>
         <p:nvSpPr>
-          <p:cNvPr id="28" name="Footer Placeholder 27">
-            <a:extLst>
-              <a:ext uri="{FF2B5EF4-FFF2-40B4-BE49-F238E27FC236}">
-                <a16:creationId xmlns:a16="http://schemas.microsoft.com/office/drawing/2014/main" id="{36FE9B74-96B4-4C88-49C9-E2D42BDCD20D}"/>
-              </a:ext>
-            </a:extLst>
-          </p:cNvPr>
-          <p:cNvSpPr>
-            <a:spLocks noGrp="1"/>
-          </p:cNvSpPr>
-          <p:nvPr>
-            <p:ph type="ftr" sz="quarter" idx="11"/>
+          <p:cNvPr id="27" name="Date Placeholder 26">
+            <a:extLst>
+              <a:ext uri="{FF2B5EF4-FFF2-40B4-BE49-F238E27FC236}">
+                <a16:creationId xmlns:a16="http://schemas.microsoft.com/office/drawing/2014/main" id="{8A78422D-0122-1218-F0A5-9EF64D22D921}"/>
+              </a:ext>
+            </a:extLst>
+          </p:cNvPr>
+          <p:cNvSpPr>
+            <a:spLocks noGrp="1"/>
+          </p:cNvSpPr>
+          <p:nvPr>
+            <p:ph type="dt" sz="half" idx="10"/>
           </p:nvPr>
         </p:nvSpPr>
         <p:spPr/>
@@ -12845,35 +12845,7 @@
           <a:p>
             <a:r>
               <a:rPr lang="en-US" dirty="0"/>
-              <a:t>Presentation title</a:t>
-            </a:r>
-          </a:p>
-        </p:txBody>
-      </p:sp>
-      <p:sp>
-        <p:nvSpPr>
-          <p:cNvPr id="27" name="Date Placeholder 26">
-            <a:extLst>
-              <a:ext uri="{FF2B5EF4-FFF2-40B4-BE49-F238E27FC236}">
-                <a16:creationId xmlns:a16="http://schemas.microsoft.com/office/drawing/2014/main" id="{8A78422D-0122-1218-F0A5-9EF64D22D921}"/>
-              </a:ext>
-            </a:extLst>
-          </p:cNvPr>
-          <p:cNvSpPr>
-            <a:spLocks noGrp="1"/>
-          </p:cNvSpPr>
-          <p:nvPr>
-            <p:ph type="dt" sz="half" idx="10"/>
-          </p:nvPr>
-        </p:nvSpPr>
-        <p:spPr/>
-        <p:txBody>
-          <a:bodyPr/>
-          <a:lstStyle/>
-          <a:p>
-            <a:r>
-              <a:rPr lang="en-US" dirty="0"/>
-              <a:t>20XX</a:t>
+              <a:t>2022</a:t>
             </a:r>
           </a:p>
         </p:txBody>
@@ -12913,6 +12885,39 @@
           </a:ln>
         </p:spPr>
       </p:pic>
+      <p:sp>
+        <p:nvSpPr>
+          <p:cNvPr id="3" name="Footer Placeholder 2">
+            <a:extLst>
+              <a:ext uri="{FF2B5EF4-FFF2-40B4-BE49-F238E27FC236}">
+                <a16:creationId xmlns:a16="http://schemas.microsoft.com/office/drawing/2014/main" id="{5AC4BDB5-A1A8-713B-9C66-345C19968C58}"/>
+              </a:ext>
+            </a:extLst>
+          </p:cNvPr>
+          <p:cNvSpPr>
+            <a:spLocks noGrp="1"/>
+          </p:cNvSpPr>
+          <p:nvPr>
+            <p:ph type="ftr" sz="quarter" idx="11"/>
+          </p:nvPr>
+        </p:nvSpPr>
+        <p:spPr>
+          <a:xfrm>
+            <a:off x="5364480" y="6400904"/>
+            <a:ext cx="1463040" cy="246888"/>
+          </a:xfrm>
+        </p:spPr>
+        <p:txBody>
+          <a:bodyPr/>
+          <a:lstStyle/>
+          <a:p>
+            <a:r>
+              <a:rPr lang="en-US" noProof="0" dirty="0"/>
+              <a:t>VLSI Project</a:t>
+            </a:r>
+          </a:p>
+        </p:txBody>
+      </p:sp>
     </p:spTree>
     <p:extLst>
       <p:ext uri="{BB962C8B-B14F-4D97-AF65-F5344CB8AC3E}">
@@ -13065,18 +13070,18 @@
       </p:sp>
       <p:sp>
         <p:nvSpPr>
-          <p:cNvPr id="28" name="Footer Placeholder 27">
-            <a:extLst>
-              <a:ext uri="{FF2B5EF4-FFF2-40B4-BE49-F238E27FC236}">
-                <a16:creationId xmlns:a16="http://schemas.microsoft.com/office/drawing/2014/main" id="{36FE9B74-96B4-4C88-49C9-E2D42BDCD20D}"/>
-              </a:ext>
-            </a:extLst>
-          </p:cNvPr>
-          <p:cNvSpPr>
-            <a:spLocks noGrp="1"/>
-          </p:cNvSpPr>
-          <p:nvPr>
-            <p:ph type="ftr" sz="quarter" idx="11"/>
+          <p:cNvPr id="27" name="Date Placeholder 26">
+            <a:extLst>
+              <a:ext uri="{FF2B5EF4-FFF2-40B4-BE49-F238E27FC236}">
+                <a16:creationId xmlns:a16="http://schemas.microsoft.com/office/drawing/2014/main" id="{8A78422D-0122-1218-F0A5-9EF64D22D921}"/>
+              </a:ext>
+            </a:extLst>
+          </p:cNvPr>
+          <p:cNvSpPr>
+            <a:spLocks noGrp="1"/>
+          </p:cNvSpPr>
+          <p:nvPr>
+            <p:ph type="dt" sz="half" idx="10"/>
           </p:nvPr>
         </p:nvSpPr>
         <p:spPr/>
@@ -13086,35 +13091,7 @@
           <a:p>
             <a:r>
               <a:rPr lang="en-US" dirty="0"/>
-              <a:t>Presentation title</a:t>
-            </a:r>
-          </a:p>
-        </p:txBody>
-      </p:sp>
-      <p:sp>
-        <p:nvSpPr>
-          <p:cNvPr id="27" name="Date Placeholder 26">
-            <a:extLst>
-              <a:ext uri="{FF2B5EF4-FFF2-40B4-BE49-F238E27FC236}">
-                <a16:creationId xmlns:a16="http://schemas.microsoft.com/office/drawing/2014/main" id="{8A78422D-0122-1218-F0A5-9EF64D22D921}"/>
-              </a:ext>
-            </a:extLst>
-          </p:cNvPr>
-          <p:cNvSpPr>
-            <a:spLocks noGrp="1"/>
-          </p:cNvSpPr>
-          <p:nvPr>
-            <p:ph type="dt" sz="half" idx="10"/>
-          </p:nvPr>
-        </p:nvSpPr>
-        <p:spPr/>
-        <p:txBody>
-          <a:bodyPr/>
-          <a:lstStyle/>
-          <a:p>
-            <a:r>
-              <a:rPr lang="en-US" dirty="0"/>
-              <a:t>20XX</a:t>
+              <a:t>2022</a:t>
             </a:r>
           </a:p>
         </p:txBody>
@@ -13244,6 +13221,39 @@
               <a:t>Dense layer is a layer that is deeply connected with its preceding layer which means the neurons of the layer are connected to every neuron of its preceding layer.</a:t>
             </a:r>
             <a:endParaRPr lang="en-IN" dirty="0"/>
+          </a:p>
+        </p:txBody>
+      </p:sp>
+      <p:sp>
+        <p:nvSpPr>
+          <p:cNvPr id="3" name="Footer Placeholder 2">
+            <a:extLst>
+              <a:ext uri="{FF2B5EF4-FFF2-40B4-BE49-F238E27FC236}">
+                <a16:creationId xmlns:a16="http://schemas.microsoft.com/office/drawing/2014/main" id="{98455D55-D211-75F9-474C-C5E6A62BADE0}"/>
+              </a:ext>
+            </a:extLst>
+          </p:cNvPr>
+          <p:cNvSpPr>
+            <a:spLocks noGrp="1"/>
+          </p:cNvSpPr>
+          <p:nvPr>
+            <p:ph type="ftr" sz="quarter" idx="11"/>
+          </p:nvPr>
+        </p:nvSpPr>
+        <p:spPr>
+          <a:xfrm>
+            <a:off x="5364480" y="6400904"/>
+            <a:ext cx="1463040" cy="246888"/>
+          </a:xfrm>
+        </p:spPr>
+        <p:txBody>
+          <a:bodyPr/>
+          <a:lstStyle/>
+          <a:p>
+            <a:r>
+              <a:rPr lang="en-US" noProof="0" dirty="0"/>
+              <a:t>VLSI Project</a:t>
+            </a:r>
           </a:p>
         </p:txBody>
       </p:sp>
@@ -13399,18 +13409,18 @@
       </p:sp>
       <p:sp>
         <p:nvSpPr>
-          <p:cNvPr id="28" name="Footer Placeholder 27">
-            <a:extLst>
-              <a:ext uri="{FF2B5EF4-FFF2-40B4-BE49-F238E27FC236}">
-                <a16:creationId xmlns:a16="http://schemas.microsoft.com/office/drawing/2014/main" id="{36FE9B74-96B4-4C88-49C9-E2D42BDCD20D}"/>
-              </a:ext>
-            </a:extLst>
-          </p:cNvPr>
-          <p:cNvSpPr>
-            <a:spLocks noGrp="1"/>
-          </p:cNvSpPr>
-          <p:nvPr>
-            <p:ph type="ftr" sz="quarter" idx="11"/>
+          <p:cNvPr id="27" name="Date Placeholder 26">
+            <a:extLst>
+              <a:ext uri="{FF2B5EF4-FFF2-40B4-BE49-F238E27FC236}">
+                <a16:creationId xmlns:a16="http://schemas.microsoft.com/office/drawing/2014/main" id="{8A78422D-0122-1218-F0A5-9EF64D22D921}"/>
+              </a:ext>
+            </a:extLst>
+          </p:cNvPr>
+          <p:cNvSpPr>
+            <a:spLocks noGrp="1"/>
+          </p:cNvSpPr>
+          <p:nvPr>
+            <p:ph type="dt" sz="half" idx="10"/>
           </p:nvPr>
         </p:nvSpPr>
         <p:spPr/>
@@ -13420,35 +13430,7 @@
           <a:p>
             <a:r>
               <a:rPr lang="en-US" dirty="0"/>
-              <a:t>Presentation title</a:t>
-            </a:r>
-          </a:p>
-        </p:txBody>
-      </p:sp>
-      <p:sp>
-        <p:nvSpPr>
-          <p:cNvPr id="27" name="Date Placeholder 26">
-            <a:extLst>
-              <a:ext uri="{FF2B5EF4-FFF2-40B4-BE49-F238E27FC236}">
-                <a16:creationId xmlns:a16="http://schemas.microsoft.com/office/drawing/2014/main" id="{8A78422D-0122-1218-F0A5-9EF64D22D921}"/>
-              </a:ext>
-            </a:extLst>
-          </p:cNvPr>
-          <p:cNvSpPr>
-            <a:spLocks noGrp="1"/>
-          </p:cNvSpPr>
-          <p:nvPr>
-            <p:ph type="dt" sz="half" idx="10"/>
-          </p:nvPr>
-        </p:nvSpPr>
-        <p:spPr/>
-        <p:txBody>
-          <a:bodyPr/>
-          <a:lstStyle/>
-          <a:p>
-            <a:r>
-              <a:rPr lang="en-US" dirty="0"/>
-              <a:t>20XX</a:t>
+              <a:t>2022</a:t>
             </a:r>
           </a:p>
         </p:txBody>
@@ -13589,6 +13571,39 @@
           </a:prstGeom>
         </p:spPr>
       </p:pic>
+      <p:sp>
+        <p:nvSpPr>
+          <p:cNvPr id="6" name="Footer Placeholder 2">
+            <a:extLst>
+              <a:ext uri="{FF2B5EF4-FFF2-40B4-BE49-F238E27FC236}">
+                <a16:creationId xmlns:a16="http://schemas.microsoft.com/office/drawing/2014/main" id="{1A07F752-841C-1BDD-BE43-0FBAAADBDA1B}"/>
+              </a:ext>
+            </a:extLst>
+          </p:cNvPr>
+          <p:cNvSpPr>
+            <a:spLocks noGrp="1"/>
+          </p:cNvSpPr>
+          <p:nvPr>
+            <p:ph type="ftr" sz="quarter" idx="11"/>
+          </p:nvPr>
+        </p:nvSpPr>
+        <p:spPr>
+          <a:xfrm>
+            <a:off x="5364480" y="6400904"/>
+            <a:ext cx="1463040" cy="246888"/>
+          </a:xfrm>
+        </p:spPr>
+        <p:txBody>
+          <a:bodyPr/>
+          <a:lstStyle/>
+          <a:p>
+            <a:r>
+              <a:rPr lang="en-US" noProof="0" dirty="0"/>
+              <a:t>VLSI Project</a:t>
+            </a:r>
+          </a:p>
+        </p:txBody>
+      </p:sp>
     </p:spTree>
     <p:extLst>
       <p:ext uri="{BB962C8B-B14F-4D97-AF65-F5344CB8AC3E}">
@@ -13687,18 +13702,18 @@
       </p:sp>
       <p:sp>
         <p:nvSpPr>
-          <p:cNvPr id="28" name="Footer Placeholder 27">
-            <a:extLst>
-              <a:ext uri="{FF2B5EF4-FFF2-40B4-BE49-F238E27FC236}">
-                <a16:creationId xmlns:a16="http://schemas.microsoft.com/office/drawing/2014/main" id="{36FE9B74-96B4-4C88-49C9-E2D42BDCD20D}"/>
-              </a:ext>
-            </a:extLst>
-          </p:cNvPr>
-          <p:cNvSpPr>
-            <a:spLocks noGrp="1"/>
-          </p:cNvSpPr>
-          <p:nvPr>
-            <p:ph type="ftr" sz="quarter" idx="11"/>
+          <p:cNvPr id="27" name="Date Placeholder 26">
+            <a:extLst>
+              <a:ext uri="{FF2B5EF4-FFF2-40B4-BE49-F238E27FC236}">
+                <a16:creationId xmlns:a16="http://schemas.microsoft.com/office/drawing/2014/main" id="{8A78422D-0122-1218-F0A5-9EF64D22D921}"/>
+              </a:ext>
+            </a:extLst>
+          </p:cNvPr>
+          <p:cNvSpPr>
+            <a:spLocks noGrp="1"/>
+          </p:cNvSpPr>
+          <p:nvPr>
+            <p:ph type="dt" sz="half" idx="10"/>
           </p:nvPr>
         </p:nvSpPr>
         <p:spPr/>
@@ -13708,35 +13723,7 @@
           <a:p>
             <a:r>
               <a:rPr lang="en-US" dirty="0"/>
-              <a:t>Presentation title</a:t>
-            </a:r>
-          </a:p>
-        </p:txBody>
-      </p:sp>
-      <p:sp>
-        <p:nvSpPr>
-          <p:cNvPr id="27" name="Date Placeholder 26">
-            <a:extLst>
-              <a:ext uri="{FF2B5EF4-FFF2-40B4-BE49-F238E27FC236}">
-                <a16:creationId xmlns:a16="http://schemas.microsoft.com/office/drawing/2014/main" id="{8A78422D-0122-1218-F0A5-9EF64D22D921}"/>
-              </a:ext>
-            </a:extLst>
-          </p:cNvPr>
-          <p:cNvSpPr>
-            <a:spLocks noGrp="1"/>
-          </p:cNvSpPr>
-          <p:nvPr>
-            <p:ph type="dt" sz="half" idx="10"/>
-          </p:nvPr>
-        </p:nvSpPr>
-        <p:spPr/>
-        <p:txBody>
-          <a:bodyPr/>
-          <a:lstStyle/>
-          <a:p>
-            <a:r>
-              <a:rPr lang="en-US" dirty="0"/>
-              <a:t>20XX</a:t>
+              <a:t>2022</a:t>
             </a:r>
           </a:p>
         </p:txBody>
@@ -13832,6 +13819,39 @@
           </a:prstGeom>
         </p:spPr>
       </p:pic>
+      <p:sp>
+        <p:nvSpPr>
+          <p:cNvPr id="3" name="Footer Placeholder 2">
+            <a:extLst>
+              <a:ext uri="{FF2B5EF4-FFF2-40B4-BE49-F238E27FC236}">
+                <a16:creationId xmlns:a16="http://schemas.microsoft.com/office/drawing/2014/main" id="{99FA925F-0F27-0739-C337-291AEAACB5B1}"/>
+              </a:ext>
+            </a:extLst>
+          </p:cNvPr>
+          <p:cNvSpPr>
+            <a:spLocks noGrp="1"/>
+          </p:cNvSpPr>
+          <p:nvPr>
+            <p:ph type="ftr" sz="quarter" idx="11"/>
+          </p:nvPr>
+        </p:nvSpPr>
+        <p:spPr>
+          <a:xfrm>
+            <a:off x="5364480" y="6400904"/>
+            <a:ext cx="1463040" cy="246888"/>
+          </a:xfrm>
+        </p:spPr>
+        <p:txBody>
+          <a:bodyPr/>
+          <a:lstStyle/>
+          <a:p>
+            <a:r>
+              <a:rPr lang="en-US" noProof="0" dirty="0"/>
+              <a:t>VLSI Project</a:t>
+            </a:r>
+          </a:p>
+        </p:txBody>
+      </p:sp>
     </p:spTree>
     <p:extLst>
       <p:ext uri="{BB962C8B-B14F-4D97-AF65-F5344CB8AC3E}">
@@ -13984,18 +14004,18 @@
       </p:sp>
       <p:sp>
         <p:nvSpPr>
-          <p:cNvPr id="31" name="Footer Placeholder 30">
-            <a:extLst>
-              <a:ext uri="{FF2B5EF4-FFF2-40B4-BE49-F238E27FC236}">
-                <a16:creationId xmlns:a16="http://schemas.microsoft.com/office/drawing/2014/main" id="{C2B4FE06-34C7-A80C-5DBE-4F5168C9EBDC}"/>
-              </a:ext>
-            </a:extLst>
-          </p:cNvPr>
-          <p:cNvSpPr>
-            <a:spLocks noGrp="1"/>
-          </p:cNvSpPr>
-          <p:nvPr>
-            <p:ph type="ftr" sz="quarter" idx="11"/>
+          <p:cNvPr id="30" name="Date Placeholder 29">
+            <a:extLst>
+              <a:ext uri="{FF2B5EF4-FFF2-40B4-BE49-F238E27FC236}">
+                <a16:creationId xmlns:a16="http://schemas.microsoft.com/office/drawing/2014/main" id="{E227DBC0-C280-AC5C-C7A8-FF8D56C9DFE5}"/>
+              </a:ext>
+            </a:extLst>
+          </p:cNvPr>
+          <p:cNvSpPr>
+            <a:spLocks noGrp="1"/>
+          </p:cNvSpPr>
+          <p:nvPr>
+            <p:ph type="dt" sz="half" idx="10"/>
           </p:nvPr>
         </p:nvSpPr>
         <p:spPr/>
@@ -14005,35 +14025,7 @@
           <a:p>
             <a:r>
               <a:rPr lang="en-US" dirty="0"/>
-              <a:t>Presentation title</a:t>
-            </a:r>
-          </a:p>
-        </p:txBody>
-      </p:sp>
-      <p:sp>
-        <p:nvSpPr>
-          <p:cNvPr id="30" name="Date Placeholder 29">
-            <a:extLst>
-              <a:ext uri="{FF2B5EF4-FFF2-40B4-BE49-F238E27FC236}">
-                <a16:creationId xmlns:a16="http://schemas.microsoft.com/office/drawing/2014/main" id="{E227DBC0-C280-AC5C-C7A8-FF8D56C9DFE5}"/>
-              </a:ext>
-            </a:extLst>
-          </p:cNvPr>
-          <p:cNvSpPr>
-            <a:spLocks noGrp="1"/>
-          </p:cNvSpPr>
-          <p:nvPr>
-            <p:ph type="dt" sz="half" idx="10"/>
-          </p:nvPr>
-        </p:nvSpPr>
-        <p:spPr/>
-        <p:txBody>
-          <a:bodyPr/>
-          <a:lstStyle/>
-          <a:p>
-            <a:r>
-              <a:rPr lang="en-US" dirty="0"/>
-              <a:t>20XX</a:t>
+              <a:t>2022</a:t>
             </a:r>
           </a:p>
         </p:txBody>
@@ -14131,6 +14123,39 @@
               <a:t>Our model worked fair enough for a multilayer perceptron with 3 layers and 500 epochs giving 93.89 % accuracy</a:t>
             </a:r>
             <a:endParaRPr lang="en-IN" dirty="0"/>
+          </a:p>
+        </p:txBody>
+      </p:sp>
+      <p:sp>
+        <p:nvSpPr>
+          <p:cNvPr id="4" name="Footer Placeholder 2">
+            <a:extLst>
+              <a:ext uri="{FF2B5EF4-FFF2-40B4-BE49-F238E27FC236}">
+                <a16:creationId xmlns:a16="http://schemas.microsoft.com/office/drawing/2014/main" id="{C22AFC4F-E306-04BF-E1E4-F6E579BE8BDA}"/>
+              </a:ext>
+            </a:extLst>
+          </p:cNvPr>
+          <p:cNvSpPr>
+            <a:spLocks noGrp="1"/>
+          </p:cNvSpPr>
+          <p:nvPr>
+            <p:ph type="ftr" sz="quarter" idx="11"/>
+          </p:nvPr>
+        </p:nvSpPr>
+        <p:spPr>
+          <a:xfrm>
+            <a:off x="5364480" y="6400904"/>
+            <a:ext cx="1463040" cy="246888"/>
+          </a:xfrm>
+        </p:spPr>
+        <p:txBody>
+          <a:bodyPr/>
+          <a:lstStyle/>
+          <a:p>
+            <a:r>
+              <a:rPr lang="en-US" noProof="0" dirty="0"/>
+              <a:t>VLSI Project</a:t>
+            </a:r>
           </a:p>
         </p:txBody>
       </p:sp>
@@ -14290,18 +14315,18 @@
       </p:sp>
       <p:sp>
         <p:nvSpPr>
-          <p:cNvPr id="31" name="Footer Placeholder 30">
-            <a:extLst>
-              <a:ext uri="{FF2B5EF4-FFF2-40B4-BE49-F238E27FC236}">
-                <a16:creationId xmlns:a16="http://schemas.microsoft.com/office/drawing/2014/main" id="{C2B4FE06-34C7-A80C-5DBE-4F5168C9EBDC}"/>
-              </a:ext>
-            </a:extLst>
-          </p:cNvPr>
-          <p:cNvSpPr>
-            <a:spLocks noGrp="1"/>
-          </p:cNvSpPr>
-          <p:nvPr>
-            <p:ph type="ftr" sz="quarter" idx="11"/>
+          <p:cNvPr id="30" name="Date Placeholder 29">
+            <a:extLst>
+              <a:ext uri="{FF2B5EF4-FFF2-40B4-BE49-F238E27FC236}">
+                <a16:creationId xmlns:a16="http://schemas.microsoft.com/office/drawing/2014/main" id="{E227DBC0-C280-AC5C-C7A8-FF8D56C9DFE5}"/>
+              </a:ext>
+            </a:extLst>
+          </p:cNvPr>
+          <p:cNvSpPr>
+            <a:spLocks noGrp="1"/>
+          </p:cNvSpPr>
+          <p:nvPr>
+            <p:ph type="dt" sz="half" idx="10"/>
           </p:nvPr>
         </p:nvSpPr>
         <p:spPr/>
@@ -14311,35 +14336,7 @@
           <a:p>
             <a:r>
               <a:rPr lang="en-US" dirty="0"/>
-              <a:t>Presentation title</a:t>
-            </a:r>
-          </a:p>
-        </p:txBody>
-      </p:sp>
-      <p:sp>
-        <p:nvSpPr>
-          <p:cNvPr id="30" name="Date Placeholder 29">
-            <a:extLst>
-              <a:ext uri="{FF2B5EF4-FFF2-40B4-BE49-F238E27FC236}">
-                <a16:creationId xmlns:a16="http://schemas.microsoft.com/office/drawing/2014/main" id="{E227DBC0-C280-AC5C-C7A8-FF8D56C9DFE5}"/>
-              </a:ext>
-            </a:extLst>
-          </p:cNvPr>
-          <p:cNvSpPr>
-            <a:spLocks noGrp="1"/>
-          </p:cNvSpPr>
-          <p:nvPr>
-            <p:ph type="dt" sz="half" idx="10"/>
-          </p:nvPr>
-        </p:nvSpPr>
-        <p:spPr/>
-        <p:txBody>
-          <a:bodyPr/>
-          <a:lstStyle/>
-          <a:p>
-            <a:r>
-              <a:rPr lang="en-US" dirty="0"/>
-              <a:t>20XX</a:t>
+              <a:t>2022</a:t>
             </a:r>
           </a:p>
         </p:txBody>
@@ -14404,6 +14401,39 @@
           </a:prstGeom>
         </p:spPr>
       </p:pic>
+      <p:sp>
+        <p:nvSpPr>
+          <p:cNvPr id="4" name="Footer Placeholder 2">
+            <a:extLst>
+              <a:ext uri="{FF2B5EF4-FFF2-40B4-BE49-F238E27FC236}">
+                <a16:creationId xmlns:a16="http://schemas.microsoft.com/office/drawing/2014/main" id="{00DCD2B2-BA78-B38C-4F08-3BA985E67259}"/>
+              </a:ext>
+            </a:extLst>
+          </p:cNvPr>
+          <p:cNvSpPr>
+            <a:spLocks noGrp="1"/>
+          </p:cNvSpPr>
+          <p:nvPr>
+            <p:ph type="ftr" sz="quarter" idx="11"/>
+          </p:nvPr>
+        </p:nvSpPr>
+        <p:spPr>
+          <a:xfrm>
+            <a:off x="5364480" y="6400904"/>
+            <a:ext cx="1463040" cy="246888"/>
+          </a:xfrm>
+        </p:spPr>
+        <p:txBody>
+          <a:bodyPr/>
+          <a:lstStyle/>
+          <a:p>
+            <a:r>
+              <a:rPr lang="en-US" noProof="0" dirty="0"/>
+              <a:t>VLSI Project</a:t>
+            </a:r>
+          </a:p>
+        </p:txBody>
+      </p:sp>
     </p:spTree>
     <p:extLst>
       <p:ext uri="{BB962C8B-B14F-4D97-AF65-F5344CB8AC3E}">
@@ -14562,18 +14592,18 @@
       </p:sp>
       <p:sp>
         <p:nvSpPr>
-          <p:cNvPr id="31" name="Footer Placeholder 30">
-            <a:extLst>
-              <a:ext uri="{FF2B5EF4-FFF2-40B4-BE49-F238E27FC236}">
-                <a16:creationId xmlns:a16="http://schemas.microsoft.com/office/drawing/2014/main" id="{C2B4FE06-34C7-A80C-5DBE-4F5168C9EBDC}"/>
-              </a:ext>
-            </a:extLst>
-          </p:cNvPr>
-          <p:cNvSpPr>
-            <a:spLocks noGrp="1"/>
-          </p:cNvSpPr>
-          <p:nvPr>
-            <p:ph type="ftr" sz="quarter" idx="11"/>
+          <p:cNvPr id="30" name="Date Placeholder 29">
+            <a:extLst>
+              <a:ext uri="{FF2B5EF4-FFF2-40B4-BE49-F238E27FC236}">
+                <a16:creationId xmlns:a16="http://schemas.microsoft.com/office/drawing/2014/main" id="{E227DBC0-C280-AC5C-C7A8-FF8D56C9DFE5}"/>
+              </a:ext>
+            </a:extLst>
+          </p:cNvPr>
+          <p:cNvSpPr>
+            <a:spLocks noGrp="1"/>
+          </p:cNvSpPr>
+          <p:nvPr>
+            <p:ph type="dt" sz="half" idx="10"/>
           </p:nvPr>
         </p:nvSpPr>
         <p:spPr/>
@@ -14583,35 +14613,7 @@
           <a:p>
             <a:r>
               <a:rPr lang="en-US" dirty="0"/>
-              <a:t>Presentation title</a:t>
-            </a:r>
-          </a:p>
-        </p:txBody>
-      </p:sp>
-      <p:sp>
-        <p:nvSpPr>
-          <p:cNvPr id="30" name="Date Placeholder 29">
-            <a:extLst>
-              <a:ext uri="{FF2B5EF4-FFF2-40B4-BE49-F238E27FC236}">
-                <a16:creationId xmlns:a16="http://schemas.microsoft.com/office/drawing/2014/main" id="{E227DBC0-C280-AC5C-C7A8-FF8D56C9DFE5}"/>
-              </a:ext>
-            </a:extLst>
-          </p:cNvPr>
-          <p:cNvSpPr>
-            <a:spLocks noGrp="1"/>
-          </p:cNvSpPr>
-          <p:nvPr>
-            <p:ph type="dt" sz="half" idx="10"/>
-          </p:nvPr>
-        </p:nvSpPr>
-        <p:spPr/>
-        <p:txBody>
-          <a:bodyPr/>
-          <a:lstStyle/>
-          <a:p>
-            <a:r>
-              <a:rPr lang="en-US" dirty="0"/>
-              <a:t>20XX</a:t>
+              <a:t>2022</a:t>
             </a:r>
           </a:p>
         </p:txBody>
@@ -14676,6 +14678,39 @@
           </a:prstGeom>
         </p:spPr>
       </p:pic>
+      <p:sp>
+        <p:nvSpPr>
+          <p:cNvPr id="4" name="Footer Placeholder 2">
+            <a:extLst>
+              <a:ext uri="{FF2B5EF4-FFF2-40B4-BE49-F238E27FC236}">
+                <a16:creationId xmlns:a16="http://schemas.microsoft.com/office/drawing/2014/main" id="{BA2384A7-7293-52A4-B8A5-E89CD2C91717}"/>
+              </a:ext>
+            </a:extLst>
+          </p:cNvPr>
+          <p:cNvSpPr>
+            <a:spLocks noGrp="1"/>
+          </p:cNvSpPr>
+          <p:nvPr>
+            <p:ph type="ftr" sz="quarter" idx="11"/>
+          </p:nvPr>
+        </p:nvSpPr>
+        <p:spPr>
+          <a:xfrm>
+            <a:off x="5364480" y="6400904"/>
+            <a:ext cx="1463040" cy="246888"/>
+          </a:xfrm>
+        </p:spPr>
+        <p:txBody>
+          <a:bodyPr/>
+          <a:lstStyle/>
+          <a:p>
+            <a:r>
+              <a:rPr lang="en-US" noProof="0" dirty="0"/>
+              <a:t>VLSI Project</a:t>
+            </a:r>
+          </a:p>
+        </p:txBody>
+      </p:sp>
     </p:spTree>
     <p:extLst>
       <p:ext uri="{BB962C8B-B14F-4D97-AF65-F5344CB8AC3E}">
@@ -14834,18 +14869,18 @@
       </p:sp>
       <p:sp>
         <p:nvSpPr>
-          <p:cNvPr id="31" name="Footer Placeholder 30">
-            <a:extLst>
-              <a:ext uri="{FF2B5EF4-FFF2-40B4-BE49-F238E27FC236}">
-                <a16:creationId xmlns:a16="http://schemas.microsoft.com/office/drawing/2014/main" id="{C2B4FE06-34C7-A80C-5DBE-4F5168C9EBDC}"/>
-              </a:ext>
-            </a:extLst>
-          </p:cNvPr>
-          <p:cNvSpPr>
-            <a:spLocks noGrp="1"/>
-          </p:cNvSpPr>
-          <p:nvPr>
-            <p:ph type="ftr" sz="quarter" idx="11"/>
+          <p:cNvPr id="30" name="Date Placeholder 29">
+            <a:extLst>
+              <a:ext uri="{FF2B5EF4-FFF2-40B4-BE49-F238E27FC236}">
+                <a16:creationId xmlns:a16="http://schemas.microsoft.com/office/drawing/2014/main" id="{E227DBC0-C280-AC5C-C7A8-FF8D56C9DFE5}"/>
+              </a:ext>
+            </a:extLst>
+          </p:cNvPr>
+          <p:cNvSpPr>
+            <a:spLocks noGrp="1"/>
+          </p:cNvSpPr>
+          <p:nvPr>
+            <p:ph type="dt" sz="half" idx="10"/>
           </p:nvPr>
         </p:nvSpPr>
         <p:spPr/>
@@ -14855,35 +14890,7 @@
           <a:p>
             <a:r>
               <a:rPr lang="en-US" dirty="0"/>
-              <a:t>Presentation title</a:t>
-            </a:r>
-          </a:p>
-        </p:txBody>
-      </p:sp>
-      <p:sp>
-        <p:nvSpPr>
-          <p:cNvPr id="30" name="Date Placeholder 29">
-            <a:extLst>
-              <a:ext uri="{FF2B5EF4-FFF2-40B4-BE49-F238E27FC236}">
-                <a16:creationId xmlns:a16="http://schemas.microsoft.com/office/drawing/2014/main" id="{E227DBC0-C280-AC5C-C7A8-FF8D56C9DFE5}"/>
-              </a:ext>
-            </a:extLst>
-          </p:cNvPr>
-          <p:cNvSpPr>
-            <a:spLocks noGrp="1"/>
-          </p:cNvSpPr>
-          <p:nvPr>
-            <p:ph type="dt" sz="half" idx="10"/>
-          </p:nvPr>
-        </p:nvSpPr>
-        <p:spPr/>
-        <p:txBody>
-          <a:bodyPr/>
-          <a:lstStyle/>
-          <a:p>
-            <a:r>
-              <a:rPr lang="en-US" dirty="0"/>
-              <a:t>20XX</a:t>
+              <a:t>2022</a:t>
             </a:r>
           </a:p>
         </p:txBody>
@@ -14948,6 +14955,39 @@
           </a:prstGeom>
         </p:spPr>
       </p:pic>
+      <p:sp>
+        <p:nvSpPr>
+          <p:cNvPr id="4" name="Footer Placeholder 2">
+            <a:extLst>
+              <a:ext uri="{FF2B5EF4-FFF2-40B4-BE49-F238E27FC236}">
+                <a16:creationId xmlns:a16="http://schemas.microsoft.com/office/drawing/2014/main" id="{CAEC0A9B-DC13-598C-098C-A2262A3737B2}"/>
+              </a:ext>
+            </a:extLst>
+          </p:cNvPr>
+          <p:cNvSpPr>
+            <a:spLocks noGrp="1"/>
+          </p:cNvSpPr>
+          <p:nvPr>
+            <p:ph type="ftr" sz="quarter" idx="11"/>
+          </p:nvPr>
+        </p:nvSpPr>
+        <p:spPr>
+          <a:xfrm>
+            <a:off x="5364480" y="6400904"/>
+            <a:ext cx="1463040" cy="246888"/>
+          </a:xfrm>
+        </p:spPr>
+        <p:txBody>
+          <a:bodyPr/>
+          <a:lstStyle/>
+          <a:p>
+            <a:r>
+              <a:rPr lang="en-US" noProof="0" dirty="0"/>
+              <a:t>VLSI Project</a:t>
+            </a:r>
+          </a:p>
+        </p:txBody>
+      </p:sp>
     </p:spTree>
     <p:extLst>
       <p:ext uri="{BB962C8B-B14F-4D97-AF65-F5344CB8AC3E}">
@@ -15544,18 +15584,18 @@
       </p:sp>
       <p:sp>
         <p:nvSpPr>
-          <p:cNvPr id="14" name="Footer Placeholder 13">
-            <a:extLst>
-              <a:ext uri="{FF2B5EF4-FFF2-40B4-BE49-F238E27FC236}">
-                <a16:creationId xmlns:a16="http://schemas.microsoft.com/office/drawing/2014/main" id="{DE3B97B2-F540-9F02-5569-597A7E7B6E59}"/>
-              </a:ext>
-            </a:extLst>
-          </p:cNvPr>
-          <p:cNvSpPr>
-            <a:spLocks noGrp="1"/>
-          </p:cNvSpPr>
-          <p:nvPr>
-            <p:ph type="ftr" sz="quarter" idx="11"/>
+          <p:cNvPr id="13" name="Date Placeholder 12">
+            <a:extLst>
+              <a:ext uri="{FF2B5EF4-FFF2-40B4-BE49-F238E27FC236}">
+                <a16:creationId xmlns:a16="http://schemas.microsoft.com/office/drawing/2014/main" id="{8FA1C40B-4426-2DD0-CFB0-3E30E9C28215}"/>
+              </a:ext>
+            </a:extLst>
+          </p:cNvPr>
+          <p:cNvSpPr>
+            <a:spLocks noGrp="1"/>
+          </p:cNvSpPr>
+          <p:nvPr>
+            <p:ph type="dt" sz="half" idx="10"/>
           </p:nvPr>
         </p:nvSpPr>
         <p:spPr/>
@@ -15565,25 +15605,25 @@
           <a:p>
             <a:r>
               <a:rPr lang="en-US" dirty="0"/>
-              <a:t>Presentation title</a:t>
-            </a:r>
-          </a:p>
-        </p:txBody>
-      </p:sp>
-      <p:sp>
-        <p:nvSpPr>
-          <p:cNvPr id="13" name="Date Placeholder 12">
-            <a:extLst>
-              <a:ext uri="{FF2B5EF4-FFF2-40B4-BE49-F238E27FC236}">
-                <a16:creationId xmlns:a16="http://schemas.microsoft.com/office/drawing/2014/main" id="{8FA1C40B-4426-2DD0-CFB0-3E30E9C28215}"/>
-              </a:ext>
-            </a:extLst>
-          </p:cNvPr>
-          <p:cNvSpPr>
-            <a:spLocks noGrp="1"/>
-          </p:cNvSpPr>
-          <p:nvPr>
-            <p:ph type="dt" sz="half" idx="10"/>
+              <a:t>2022</a:t>
+            </a:r>
+          </a:p>
+        </p:txBody>
+      </p:sp>
+      <p:sp>
+        <p:nvSpPr>
+          <p:cNvPr id="17" name="Text Placeholder 16">
+            <a:extLst>
+              <a:ext uri="{FF2B5EF4-FFF2-40B4-BE49-F238E27FC236}">
+                <a16:creationId xmlns:a16="http://schemas.microsoft.com/office/drawing/2014/main" id="{40E7E9E2-F9C9-1BEB-8CFD-0724CFCB2268}"/>
+              </a:ext>
+            </a:extLst>
+          </p:cNvPr>
+          <p:cNvSpPr>
+            <a:spLocks noGrp="1"/>
+          </p:cNvSpPr>
+          <p:nvPr>
+            <p:ph type="body" sz="quarter" idx="13"/>
           </p:nvPr>
         </p:nvSpPr>
         <p:spPr/>
@@ -15592,38 +15632,43 @@
           <a:lstStyle/>
           <a:p>
             <a:r>
-              <a:rPr lang="en-US" dirty="0"/>
-              <a:t>20XX</a:t>
-            </a:r>
-          </a:p>
-        </p:txBody>
-      </p:sp>
-      <p:sp>
-        <p:nvSpPr>
-          <p:cNvPr id="17" name="Text Placeholder 16">
-            <a:extLst>
-              <a:ext uri="{FF2B5EF4-FFF2-40B4-BE49-F238E27FC236}">
-                <a16:creationId xmlns:a16="http://schemas.microsoft.com/office/drawing/2014/main" id="{40E7E9E2-F9C9-1BEB-8CFD-0724CFCB2268}"/>
-              </a:ext>
-            </a:extLst>
-          </p:cNvPr>
-          <p:cNvSpPr>
-            <a:spLocks noGrp="1"/>
-          </p:cNvSpPr>
-          <p:nvPr>
-            <p:ph type="body" sz="quarter" idx="13"/>
-          </p:nvPr>
-        </p:nvSpPr>
-        <p:spPr/>
+              <a:rPr lang="en-GB" dirty="0"/>
+              <a:t>1</a:t>
+            </a:r>
+            <a:endParaRPr lang="en-IN" dirty="0"/>
+          </a:p>
+        </p:txBody>
+      </p:sp>
+      <p:sp>
+        <p:nvSpPr>
+          <p:cNvPr id="3" name="Footer Placeholder 2">
+            <a:extLst>
+              <a:ext uri="{FF2B5EF4-FFF2-40B4-BE49-F238E27FC236}">
+                <a16:creationId xmlns:a16="http://schemas.microsoft.com/office/drawing/2014/main" id="{3881FA03-8CE2-21C5-6B66-02500054C18E}"/>
+              </a:ext>
+            </a:extLst>
+          </p:cNvPr>
+          <p:cNvSpPr>
+            <a:spLocks noGrp="1"/>
+          </p:cNvSpPr>
+          <p:nvPr>
+            <p:ph type="ftr" sz="quarter" idx="11"/>
+          </p:nvPr>
+        </p:nvSpPr>
+        <p:spPr>
+          <a:xfrm>
+            <a:off x="5364480" y="6400904"/>
+            <a:ext cx="1463040" cy="246888"/>
+          </a:xfrm>
+        </p:spPr>
         <p:txBody>
           <a:bodyPr/>
           <a:lstStyle/>
           <a:p>
             <a:r>
-              <a:rPr lang="en-GB" dirty="0"/>
-              <a:t>1</a:t>
-            </a:r>
-            <a:endParaRPr lang="en-IN" dirty="0"/>
+              <a:rPr lang="en-US" noProof="0" dirty="0"/>
+              <a:t>VLSI Project</a:t>
+            </a:r>
           </a:p>
         </p:txBody>
       </p:sp>
@@ -15696,18 +15741,18 @@
       </p:sp>
       <p:sp>
         <p:nvSpPr>
-          <p:cNvPr id="3" name="Footer Placeholder 2">
-            <a:extLst>
-              <a:ext uri="{FF2B5EF4-FFF2-40B4-BE49-F238E27FC236}">
-                <a16:creationId xmlns:a16="http://schemas.microsoft.com/office/drawing/2014/main" id="{6427BAB2-5A76-2A0E-1574-67E50307336F}"/>
-              </a:ext>
-            </a:extLst>
-          </p:cNvPr>
-          <p:cNvSpPr>
-            <a:spLocks noGrp="1"/>
-          </p:cNvSpPr>
-          <p:nvPr>
-            <p:ph type="ftr" sz="quarter" idx="11"/>
+          <p:cNvPr id="4" name="Date Placeholder 3">
+            <a:extLst>
+              <a:ext uri="{FF2B5EF4-FFF2-40B4-BE49-F238E27FC236}">
+                <a16:creationId xmlns:a16="http://schemas.microsoft.com/office/drawing/2014/main" id="{C85C5B2D-963B-12F4-A200-5B595C27560E}"/>
+              </a:ext>
+            </a:extLst>
+          </p:cNvPr>
+          <p:cNvSpPr>
+            <a:spLocks noGrp="1"/>
+          </p:cNvSpPr>
+          <p:nvPr>
+            <p:ph type="dt" sz="half" idx="10"/>
           </p:nvPr>
         </p:nvSpPr>
         <p:spPr/>
@@ -15716,36 +15761,8 @@
           <a:lstStyle/>
           <a:p>
             <a:r>
-              <a:rPr lang="en-US" noProof="0"/>
-              <a:t>Presentation title</a:t>
-            </a:r>
-          </a:p>
-        </p:txBody>
-      </p:sp>
-      <p:sp>
-        <p:nvSpPr>
-          <p:cNvPr id="4" name="Date Placeholder 3">
-            <a:extLst>
-              <a:ext uri="{FF2B5EF4-FFF2-40B4-BE49-F238E27FC236}">
-                <a16:creationId xmlns:a16="http://schemas.microsoft.com/office/drawing/2014/main" id="{C85C5B2D-963B-12F4-A200-5B595C27560E}"/>
-              </a:ext>
-            </a:extLst>
-          </p:cNvPr>
-          <p:cNvSpPr>
-            <a:spLocks noGrp="1"/>
-          </p:cNvSpPr>
-          <p:nvPr>
-            <p:ph type="dt" sz="half" idx="10"/>
-          </p:nvPr>
-        </p:nvSpPr>
-        <p:spPr/>
-        <p:txBody>
-          <a:bodyPr/>
-          <a:lstStyle/>
-          <a:p>
-            <a:r>
-              <a:rPr lang="en-US" noProof="0"/>
-              <a:t>20XX</a:t>
+              <a:rPr lang="en-US" noProof="0" dirty="0"/>
+              <a:t>2022</a:t>
             </a:r>
           </a:p>
         </p:txBody>
@@ -16113,9 +16130,42 @@
           <a:p>
             <a:r>
               <a:rPr lang="en-GB" sz="2000" dirty="0"/>
-              <a:t>There has been an increase in wirelessly communicating devices because of the development of wireless technologies and protocols. This development has led to an increase in demand for radio spectrum. Cognitive Radio is a concept that allows SUs to use licensed spectrum belonging to Primary Users to overcome this demand increase. Spectrum Sensing is the part of Cognitive Radio where the Secondary Users listen to the spectrum and use the sensing data to determine if the Primary User is transmitting. Spectrum Sensing is of two types, non-cooperative and co-operative. Non-cooperative Spectrum Sensing is where an SU independently decides if the PU is active. Cooperative Spectrum Sensing is where multiple SUs use an algorithm to decide if the PU is active.</a:t>
+              <a:t>There has been an increase in wirelessly communicating devices because of the development of wireless technologies and protocols. This development has led to an increase in demand for radio spectrum. Cognitive Radio is a concept that allows Secondary Users to use licensed spectrum belonging to Primary Users to overcome this demand increase. Spectrum Sensing is the part of Cognitive Radio where the Secondary Users listen to the spectrum and use the sensing data to determine if the Primary User is transmitting. Spectrum Sensing is of two types, non-cooperative and co-operative. Non-cooperative Spectrum Sensing is where an SU independently decides if the PU is active. Cooperative Spectrum Sensing is where multiple SUs use an algorithm to decide if the PU is active.</a:t>
             </a:r>
             <a:endParaRPr lang="en-US" sz="2000" dirty="0"/>
+          </a:p>
+        </p:txBody>
+      </p:sp>
+      <p:sp>
+        <p:nvSpPr>
+          <p:cNvPr id="7" name="Footer Placeholder 2">
+            <a:extLst>
+              <a:ext uri="{FF2B5EF4-FFF2-40B4-BE49-F238E27FC236}">
+                <a16:creationId xmlns:a16="http://schemas.microsoft.com/office/drawing/2014/main" id="{990FB22F-0CA6-397D-E92D-8493F4044CCF}"/>
+              </a:ext>
+            </a:extLst>
+          </p:cNvPr>
+          <p:cNvSpPr>
+            <a:spLocks noGrp="1"/>
+          </p:cNvSpPr>
+          <p:nvPr>
+            <p:ph type="ftr" sz="quarter" idx="11"/>
+          </p:nvPr>
+        </p:nvSpPr>
+        <p:spPr>
+          <a:xfrm>
+            <a:off x="5364480" y="6400904"/>
+            <a:ext cx="1463040" cy="246888"/>
+          </a:xfrm>
+        </p:spPr>
+        <p:txBody>
+          <a:bodyPr/>
+          <a:lstStyle/>
+          <a:p>
+            <a:r>
+              <a:rPr lang="en-US" noProof="0" dirty="0"/>
+              <a:t>VLSI Project</a:t>
+            </a:r>
           </a:p>
         </p:txBody>
       </p:sp>
@@ -16208,8 +16258,8 @@
           <a:lstStyle/>
           <a:p>
             <a:r>
-              <a:rPr lang="en-US" noProof="0"/>
-              <a:t>Presentation title</a:t>
+              <a:rPr lang="en-US" noProof="0" dirty="0"/>
+              <a:t>VLSI Project</a:t>
             </a:r>
           </a:p>
         </p:txBody>
@@ -16236,8 +16286,8 @@
           <a:lstStyle/>
           <a:p>
             <a:r>
-              <a:rPr lang="en-US" noProof="0"/>
-              <a:t>20XX</a:t>
+              <a:rPr lang="en-US" noProof="0" dirty="0"/>
+              <a:t>2022</a:t>
             </a:r>
           </a:p>
         </p:txBody>
@@ -16605,7 +16655,7 @@
           <a:p>
             <a:r>
               <a:rPr lang="en-GB" sz="2000" dirty="0"/>
-              <a:t>For Machine Learning approach, we do not use Non-cooperative Spectrum Sensing approach of choosing a threshold, like we do in Classical Algorithms. Instead, we pass the energy values of all SUs to the algorithms as dataset, and the algorithm works on those values to conclude if the PU is transmitting. Spectrum Sensing is a Classification problem because we need to conclude if the PU is actively transmitting or not, so the algorithm will only give out two values, 0 and 1, representing a Yes and No.</a:t>
+              <a:t>For Machine Learning approach, we do not use Non-cooperative Spectrum Sensing approach of choosing a threshold, like we do in Classical Algorithms. Instead, we pass the energy values of all SUs to the algorithms as dataset, and the algorithm works on those values to conclude if the PU is transmitting. Spectrum Sensing is a Classification problem because we need to conclude if the PU is actively transmitting or not, so the algorithm will only give out values between 0 and 1, representing “PU is not transmitting” and “PU is transmitting” respectively.</a:t>
             </a:r>
             <a:endParaRPr lang="en-US" sz="2000" dirty="0"/>
           </a:p>
@@ -17403,18 +17453,18 @@
       </p:sp>
       <p:sp>
         <p:nvSpPr>
-          <p:cNvPr id="3" name="Footer Placeholder 2">
-            <a:extLst>
-              <a:ext uri="{FF2B5EF4-FFF2-40B4-BE49-F238E27FC236}">
-                <a16:creationId xmlns:a16="http://schemas.microsoft.com/office/drawing/2014/main" id="{6427BAB2-5A76-2A0E-1574-67E50307336F}"/>
-              </a:ext>
-            </a:extLst>
-          </p:cNvPr>
-          <p:cNvSpPr>
-            <a:spLocks noGrp="1"/>
-          </p:cNvSpPr>
-          <p:nvPr>
-            <p:ph type="ftr" sz="quarter" idx="11"/>
+          <p:cNvPr id="4" name="Date Placeholder 3">
+            <a:extLst>
+              <a:ext uri="{FF2B5EF4-FFF2-40B4-BE49-F238E27FC236}">
+                <a16:creationId xmlns:a16="http://schemas.microsoft.com/office/drawing/2014/main" id="{C85C5B2D-963B-12F4-A200-5B595C27560E}"/>
+              </a:ext>
+            </a:extLst>
+          </p:cNvPr>
+          <p:cNvSpPr>
+            <a:spLocks noGrp="1"/>
+          </p:cNvSpPr>
+          <p:nvPr>
+            <p:ph type="dt" sz="half" idx="10"/>
           </p:nvPr>
         </p:nvSpPr>
         <p:spPr/>
@@ -17423,36 +17473,8 @@
           <a:lstStyle/>
           <a:p>
             <a:r>
-              <a:rPr lang="en-US" noProof="0"/>
-              <a:t>Presentation title</a:t>
-            </a:r>
-          </a:p>
-        </p:txBody>
-      </p:sp>
-      <p:sp>
-        <p:nvSpPr>
-          <p:cNvPr id="4" name="Date Placeholder 3">
-            <a:extLst>
-              <a:ext uri="{FF2B5EF4-FFF2-40B4-BE49-F238E27FC236}">
-                <a16:creationId xmlns:a16="http://schemas.microsoft.com/office/drawing/2014/main" id="{C85C5B2D-963B-12F4-A200-5B595C27560E}"/>
-              </a:ext>
-            </a:extLst>
-          </p:cNvPr>
-          <p:cNvSpPr>
-            <a:spLocks noGrp="1"/>
-          </p:cNvSpPr>
-          <p:nvPr>
-            <p:ph type="dt" sz="half" idx="10"/>
-          </p:nvPr>
-        </p:nvSpPr>
-        <p:spPr/>
-        <p:txBody>
-          <a:bodyPr/>
-          <a:lstStyle/>
-          <a:p>
-            <a:r>
-              <a:rPr lang="en-US" noProof="0"/>
-              <a:t>20XX</a:t>
+              <a:rPr lang="en-US" noProof="0" dirty="0"/>
+              <a:t>2022</a:t>
             </a:r>
           </a:p>
         </p:txBody>
@@ -17852,6 +17874,39 @@
           </a:prstGeom>
         </p:spPr>
       </p:pic>
+      <p:sp>
+        <p:nvSpPr>
+          <p:cNvPr id="5" name="Footer Placeholder 2">
+            <a:extLst>
+              <a:ext uri="{FF2B5EF4-FFF2-40B4-BE49-F238E27FC236}">
+                <a16:creationId xmlns:a16="http://schemas.microsoft.com/office/drawing/2014/main" id="{5ADDE4E4-0DE0-D2F0-0BD0-EA8CD8D35FF9}"/>
+              </a:ext>
+            </a:extLst>
+          </p:cNvPr>
+          <p:cNvSpPr>
+            <a:spLocks noGrp="1"/>
+          </p:cNvSpPr>
+          <p:nvPr>
+            <p:ph type="ftr" sz="quarter" idx="11"/>
+          </p:nvPr>
+        </p:nvSpPr>
+        <p:spPr>
+          <a:xfrm>
+            <a:off x="5364480" y="6400904"/>
+            <a:ext cx="1463040" cy="246888"/>
+          </a:xfrm>
+        </p:spPr>
+        <p:txBody>
+          <a:bodyPr/>
+          <a:lstStyle/>
+          <a:p>
+            <a:r>
+              <a:rPr lang="en-US" noProof="0" dirty="0"/>
+              <a:t>VLSI Project</a:t>
+            </a:r>
+          </a:p>
+        </p:txBody>
+      </p:sp>
     </p:spTree>
     <p:extLst>
       <p:ext uri="{BB962C8B-B14F-4D97-AF65-F5344CB8AC3E}">
@@ -17921,18 +17976,18 @@
       </p:sp>
       <p:sp>
         <p:nvSpPr>
-          <p:cNvPr id="3" name="Footer Placeholder 2">
-            <a:extLst>
-              <a:ext uri="{FF2B5EF4-FFF2-40B4-BE49-F238E27FC236}">
-                <a16:creationId xmlns:a16="http://schemas.microsoft.com/office/drawing/2014/main" id="{6427BAB2-5A76-2A0E-1574-67E50307336F}"/>
-              </a:ext>
-            </a:extLst>
-          </p:cNvPr>
-          <p:cNvSpPr>
-            <a:spLocks noGrp="1"/>
-          </p:cNvSpPr>
-          <p:nvPr>
-            <p:ph type="ftr" sz="quarter" idx="11"/>
+          <p:cNvPr id="4" name="Date Placeholder 3">
+            <a:extLst>
+              <a:ext uri="{FF2B5EF4-FFF2-40B4-BE49-F238E27FC236}">
+                <a16:creationId xmlns:a16="http://schemas.microsoft.com/office/drawing/2014/main" id="{C85C5B2D-963B-12F4-A200-5B595C27560E}"/>
+              </a:ext>
+            </a:extLst>
+          </p:cNvPr>
+          <p:cNvSpPr>
+            <a:spLocks noGrp="1"/>
+          </p:cNvSpPr>
+          <p:nvPr>
+            <p:ph type="dt" sz="half" idx="10"/>
           </p:nvPr>
         </p:nvSpPr>
         <p:spPr/>
@@ -17941,36 +17996,8 @@
           <a:lstStyle/>
           <a:p>
             <a:r>
-              <a:rPr lang="en-US" noProof="0"/>
-              <a:t>Presentation title</a:t>
-            </a:r>
-          </a:p>
-        </p:txBody>
-      </p:sp>
-      <p:sp>
-        <p:nvSpPr>
-          <p:cNvPr id="4" name="Date Placeholder 3">
-            <a:extLst>
-              <a:ext uri="{FF2B5EF4-FFF2-40B4-BE49-F238E27FC236}">
-                <a16:creationId xmlns:a16="http://schemas.microsoft.com/office/drawing/2014/main" id="{C85C5B2D-963B-12F4-A200-5B595C27560E}"/>
-              </a:ext>
-            </a:extLst>
-          </p:cNvPr>
-          <p:cNvSpPr>
-            <a:spLocks noGrp="1"/>
-          </p:cNvSpPr>
-          <p:nvPr>
-            <p:ph type="dt" sz="half" idx="10"/>
-          </p:nvPr>
-        </p:nvSpPr>
-        <p:spPr/>
-        <p:txBody>
-          <a:bodyPr/>
-          <a:lstStyle/>
-          <a:p>
-            <a:r>
-              <a:rPr lang="en-US" noProof="0"/>
-              <a:t>20XX</a:t>
+              <a:rPr lang="en-US" noProof="0" dirty="0"/>
+              <a:t>2022</a:t>
             </a:r>
           </a:p>
         </p:txBody>
@@ -18766,6 +18793,39 @@
           </a:prstGeom>
         </p:spPr>
       </p:pic>
+      <p:sp>
+        <p:nvSpPr>
+          <p:cNvPr id="5" name="Footer Placeholder 2">
+            <a:extLst>
+              <a:ext uri="{FF2B5EF4-FFF2-40B4-BE49-F238E27FC236}">
+                <a16:creationId xmlns:a16="http://schemas.microsoft.com/office/drawing/2014/main" id="{A74195AF-C1B5-4FE6-3900-D71915915F1B}"/>
+              </a:ext>
+            </a:extLst>
+          </p:cNvPr>
+          <p:cNvSpPr>
+            <a:spLocks noGrp="1"/>
+          </p:cNvSpPr>
+          <p:nvPr>
+            <p:ph type="ftr" sz="quarter" idx="11"/>
+          </p:nvPr>
+        </p:nvSpPr>
+        <p:spPr>
+          <a:xfrm>
+            <a:off x="5364480" y="6400904"/>
+            <a:ext cx="1463040" cy="246888"/>
+          </a:xfrm>
+        </p:spPr>
+        <p:txBody>
+          <a:bodyPr/>
+          <a:lstStyle/>
+          <a:p>
+            <a:r>
+              <a:rPr lang="en-US" noProof="0" dirty="0"/>
+              <a:t>VLSI Project</a:t>
+            </a:r>
+          </a:p>
+        </p:txBody>
+      </p:sp>
     </p:spTree>
     <p:extLst>
       <p:ext uri="{BB962C8B-B14F-4D97-AF65-F5344CB8AC3E}">
@@ -18835,18 +18895,18 @@
       </p:sp>
       <p:sp>
         <p:nvSpPr>
-          <p:cNvPr id="3" name="Footer Placeholder 2">
-            <a:extLst>
-              <a:ext uri="{FF2B5EF4-FFF2-40B4-BE49-F238E27FC236}">
-                <a16:creationId xmlns:a16="http://schemas.microsoft.com/office/drawing/2014/main" id="{6427BAB2-5A76-2A0E-1574-67E50307336F}"/>
-              </a:ext>
-            </a:extLst>
-          </p:cNvPr>
-          <p:cNvSpPr>
-            <a:spLocks noGrp="1"/>
-          </p:cNvSpPr>
-          <p:nvPr>
-            <p:ph type="ftr" sz="quarter" idx="11"/>
+          <p:cNvPr id="4" name="Date Placeholder 3">
+            <a:extLst>
+              <a:ext uri="{FF2B5EF4-FFF2-40B4-BE49-F238E27FC236}">
+                <a16:creationId xmlns:a16="http://schemas.microsoft.com/office/drawing/2014/main" id="{C85C5B2D-963B-12F4-A200-5B595C27560E}"/>
+              </a:ext>
+            </a:extLst>
+          </p:cNvPr>
+          <p:cNvSpPr>
+            <a:spLocks noGrp="1"/>
+          </p:cNvSpPr>
+          <p:nvPr>
+            <p:ph type="dt" sz="half" idx="10"/>
           </p:nvPr>
         </p:nvSpPr>
         <p:spPr/>
@@ -18855,36 +18915,8 @@
           <a:lstStyle/>
           <a:p>
             <a:r>
-              <a:rPr lang="en-US" noProof="0"/>
-              <a:t>Presentation title</a:t>
-            </a:r>
-          </a:p>
-        </p:txBody>
-      </p:sp>
-      <p:sp>
-        <p:nvSpPr>
-          <p:cNvPr id="4" name="Date Placeholder 3">
-            <a:extLst>
-              <a:ext uri="{FF2B5EF4-FFF2-40B4-BE49-F238E27FC236}">
-                <a16:creationId xmlns:a16="http://schemas.microsoft.com/office/drawing/2014/main" id="{C85C5B2D-963B-12F4-A200-5B595C27560E}"/>
-              </a:ext>
-            </a:extLst>
-          </p:cNvPr>
-          <p:cNvSpPr>
-            <a:spLocks noGrp="1"/>
-          </p:cNvSpPr>
-          <p:nvPr>
-            <p:ph type="dt" sz="half" idx="10"/>
-          </p:nvPr>
-        </p:nvSpPr>
-        <p:spPr/>
-        <p:txBody>
-          <a:bodyPr/>
-          <a:lstStyle/>
-          <a:p>
-            <a:r>
-              <a:rPr lang="en-US" noProof="0"/>
-              <a:t>20XX</a:t>
+              <a:rPr lang="en-US" noProof="0" dirty="0"/>
+              <a:t>2022</a:t>
             </a:r>
           </a:p>
         </p:txBody>
@@ -19653,6 +19685,39 @@
             <a:r>
               <a:rPr lang="en-GB" sz="2000" dirty="0"/>
               <a:t> Backpropagation aims to minimize the cost function and increase accuracy by adjusting the weights and biases which is dependent on the gradients of the cost function with respect to those parameters.</a:t>
+            </a:r>
+          </a:p>
+        </p:txBody>
+      </p:sp>
+      <p:sp>
+        <p:nvSpPr>
+          <p:cNvPr id="5" name="Footer Placeholder 2">
+            <a:extLst>
+              <a:ext uri="{FF2B5EF4-FFF2-40B4-BE49-F238E27FC236}">
+                <a16:creationId xmlns:a16="http://schemas.microsoft.com/office/drawing/2014/main" id="{1DC0BA35-B0F1-B799-EECA-6BE4EE695264}"/>
+              </a:ext>
+            </a:extLst>
+          </p:cNvPr>
+          <p:cNvSpPr>
+            <a:spLocks noGrp="1"/>
+          </p:cNvSpPr>
+          <p:nvPr>
+            <p:ph type="ftr" sz="quarter" idx="11"/>
+          </p:nvPr>
+        </p:nvSpPr>
+        <p:spPr>
+          <a:xfrm>
+            <a:off x="5364480" y="6400904"/>
+            <a:ext cx="1463040" cy="246888"/>
+          </a:xfrm>
+        </p:spPr>
+        <p:txBody>
+          <a:bodyPr/>
+          <a:lstStyle/>
+          <a:p>
+            <a:r>
+              <a:rPr lang="en-US" noProof="0" dirty="0"/>
+              <a:t>VLSI Project</a:t>
             </a:r>
           </a:p>
         </p:txBody>
@@ -19726,18 +19791,18 @@
       </p:sp>
       <p:sp>
         <p:nvSpPr>
-          <p:cNvPr id="3" name="Footer Placeholder 2">
-            <a:extLst>
-              <a:ext uri="{FF2B5EF4-FFF2-40B4-BE49-F238E27FC236}">
-                <a16:creationId xmlns:a16="http://schemas.microsoft.com/office/drawing/2014/main" id="{6427BAB2-5A76-2A0E-1574-67E50307336F}"/>
-              </a:ext>
-            </a:extLst>
-          </p:cNvPr>
-          <p:cNvSpPr>
-            <a:spLocks noGrp="1"/>
-          </p:cNvSpPr>
-          <p:nvPr>
-            <p:ph type="ftr" sz="quarter" idx="11"/>
+          <p:cNvPr id="4" name="Date Placeholder 3">
+            <a:extLst>
+              <a:ext uri="{FF2B5EF4-FFF2-40B4-BE49-F238E27FC236}">
+                <a16:creationId xmlns:a16="http://schemas.microsoft.com/office/drawing/2014/main" id="{C85C5B2D-963B-12F4-A200-5B595C27560E}"/>
+              </a:ext>
+            </a:extLst>
+          </p:cNvPr>
+          <p:cNvSpPr>
+            <a:spLocks noGrp="1"/>
+          </p:cNvSpPr>
+          <p:nvPr>
+            <p:ph type="dt" sz="half" idx="10"/>
           </p:nvPr>
         </p:nvSpPr>
         <p:spPr/>
@@ -19746,34 +19811,9 @@
           <a:lstStyle/>
           <a:p>
             <a:r>
-              <a:rPr lang="en-US" noProof="0"/>
-              <a:t>Presentation title</a:t>
-            </a:r>
-          </a:p>
-        </p:txBody>
-      </p:sp>
-      <p:sp>
-        <p:nvSpPr>
-          <p:cNvPr id="4" name="Date Placeholder 3">
-            <a:extLst>
-              <a:ext uri="{FF2B5EF4-FFF2-40B4-BE49-F238E27FC236}">
-                <a16:creationId xmlns:a16="http://schemas.microsoft.com/office/drawing/2014/main" id="{C85C5B2D-963B-12F4-A200-5B595C27560E}"/>
-              </a:ext>
-            </a:extLst>
-          </p:cNvPr>
-          <p:cNvSpPr>
-            <a:spLocks noGrp="1"/>
-          </p:cNvSpPr>
-          <p:nvPr>
-            <p:ph type="dt" sz="half" idx="10"/>
-          </p:nvPr>
-        </p:nvSpPr>
-        <p:spPr/>
-        <p:txBody>
-          <a:bodyPr/>
-          <a:lstStyle/>
-          <a:p>
-            <a:endParaRPr lang="en-US" noProof="0" dirty="0"/>
+              <a:rPr lang="en-US" noProof="0" dirty="0"/>
+              <a:t>2022</a:t>
+            </a:r>
           </a:p>
         </p:txBody>
       </p:sp>
@@ -20566,19 +20606,6 @@
               <a:t>After collecting K samples, the estimated normalised energy  of an SU is:</a:t>
             </a:r>
           </a:p>
-          <a:p>
-            <a:r>
-              <a:rPr lang="en-GB" sz="1400" dirty="0"/>
-              <a:t>         </a:t>
-            </a:r>
-            <a:endParaRPr lang="en-IN" sz="1400" dirty="0"/>
-          </a:p>
-          <a:p>
-            <a:pPr marL="0" indent="0">
-              <a:buNone/>
-            </a:pPr>
-            <a:endParaRPr lang="en-GB" sz="2000" dirty="0"/>
-          </a:p>
         </p:txBody>
       </p:sp>
       <p:pic>
@@ -20595,16 +20622,15 @@
           </p:cNvPicPr>
           <p:nvPr/>
         </p:nvPicPr>
-        <p:blipFill>
+        <p:blipFill rotWithShape="1">
           <a:blip r:embed="rId2"/>
-          <a:stretch>
-            <a:fillRect/>
-          </a:stretch>
+          <a:srcRect l="22164" t="12282" b="11314"/>
+          <a:stretch/>
         </p:blipFill>
         <p:spPr>
           <a:xfrm>
-            <a:off x="8189320" y="5253483"/>
-            <a:ext cx="1317206" cy="680375"/>
+            <a:off x="8681704" y="5414769"/>
+            <a:ext cx="1025257" cy="519833"/>
           </a:xfrm>
           <a:prstGeom prst="rect">
             <a:avLst/>
@@ -20644,6 +20670,39 @@
           </a:prstGeom>
         </p:spPr>
       </p:pic>
+      <p:sp>
+        <p:nvSpPr>
+          <p:cNvPr id="9" name="Footer Placeholder 2">
+            <a:extLst>
+              <a:ext uri="{FF2B5EF4-FFF2-40B4-BE49-F238E27FC236}">
+                <a16:creationId xmlns:a16="http://schemas.microsoft.com/office/drawing/2014/main" id="{3D899099-D1EE-86DE-499C-CAE0E23336D8}"/>
+              </a:ext>
+            </a:extLst>
+          </p:cNvPr>
+          <p:cNvSpPr>
+            <a:spLocks noGrp="1"/>
+          </p:cNvSpPr>
+          <p:nvPr>
+            <p:ph type="ftr" sz="quarter" idx="11"/>
+          </p:nvPr>
+        </p:nvSpPr>
+        <p:spPr>
+          <a:xfrm>
+            <a:off x="5364480" y="6400904"/>
+            <a:ext cx="1463040" cy="246888"/>
+          </a:xfrm>
+        </p:spPr>
+        <p:txBody>
+          <a:bodyPr/>
+          <a:lstStyle/>
+          <a:p>
+            <a:r>
+              <a:rPr lang="en-US" noProof="0" dirty="0"/>
+              <a:t>VLSI Project</a:t>
+            </a:r>
+          </a:p>
+        </p:txBody>
+      </p:sp>
     </p:spTree>
     <p:extLst>
       <p:ext uri="{BB962C8B-B14F-4D97-AF65-F5344CB8AC3E}">
@@ -21154,15 +21213,6 @@
 </file>
 
 <file path=customXml/item1.xml><?xml version="1.0" encoding="utf-8"?>
-<?mso-contentType ?>
-<FormTemplates xmlns="http://schemas.microsoft.com/sharepoint/v3/contenttype/forms">
-  <Display>DocumentLibraryForm</Display>
-  <Edit>DocumentLibraryForm</Edit>
-  <New>DocumentLibraryForm</New>
-</FormTemplates>
-</file>
-
-<file path=customXml/item2.xml><?xml version="1.0" encoding="utf-8"?>
 <p:properties xmlns:p="http://schemas.microsoft.com/office/2006/metadata/properties" xmlns:xsi="http://www.w3.org/2001/XMLSchema-instance" xmlns:pc="http://schemas.microsoft.com/office/infopath/2007/PartnerControls">
   <documentManagement>
     <_ip_UnifiedCompliancePolicyUIAction xmlns="http://schemas.microsoft.com/sharepoint/v3" xsi:nil="true"/>
@@ -21180,6 +21230,15 @@
     <MediaServiceKeyPoints xmlns="71af3243-3dd4-4a8d-8c0d-dd76da1f02a5" xsi:nil="true"/>
   </documentManagement>
 </p:properties>
+</file>
+
+<file path=customXml/item2.xml><?xml version="1.0" encoding="utf-8"?>
+<?mso-contentType ?>
+<FormTemplates xmlns="http://schemas.microsoft.com/sharepoint/v3/contenttype/forms">
+  <Display>DocumentLibraryForm</Display>
+  <Edit>DocumentLibraryForm</Edit>
+  <New>DocumentLibraryForm</New>
+</FormTemplates>
 </file>
 
 <file path=customXml/item3.xml><?xml version="1.0" encoding="utf-8"?>
@@ -21471,14 +21530,6 @@
 </file>
 
 <file path=customXml/itemProps1.xml><?xml version="1.0" encoding="utf-8"?>
-<ds:datastoreItem xmlns:ds="http://schemas.openxmlformats.org/officeDocument/2006/customXml" ds:itemID="{5FA78568-A730-4D3B-A489-FD854E91254A}">
-  <ds:schemaRefs>
-    <ds:schemaRef ds:uri="http://schemas.microsoft.com/sharepoint/v3/contenttype/forms"/>
-  </ds:schemaRefs>
-</ds:datastoreItem>
-</file>
-
-<file path=customXml/itemProps2.xml><?xml version="1.0" encoding="utf-8"?>
 <ds:datastoreItem xmlns:ds="http://schemas.openxmlformats.org/officeDocument/2006/customXml" ds:itemID="{61D9A46C-D3F3-4D45-B248-B831C6B5FC85}">
   <ds:schemaRefs>
     <ds:schemaRef ds:uri="http://schemas.microsoft.com/office/2006/metadata/properties"/>
@@ -21486,6 +21537,14 @@
     <ds:schemaRef ds:uri="http://schemas.microsoft.com/sharepoint/v3"/>
     <ds:schemaRef ds:uri="71af3243-3dd4-4a8d-8c0d-dd76da1f02a5"/>
     <ds:schemaRef ds:uri="230e9df3-be65-4c73-a93b-d1236ebd677e"/>
+  </ds:schemaRefs>
+</ds:datastoreItem>
+</file>
+
+<file path=customXml/itemProps2.xml><?xml version="1.0" encoding="utf-8"?>
+<ds:datastoreItem xmlns:ds="http://schemas.openxmlformats.org/officeDocument/2006/customXml" ds:itemID="{5FA78568-A730-4D3B-A489-FD854E91254A}">
+  <ds:schemaRefs>
+    <ds:schemaRef ds:uri="http://schemas.microsoft.com/sharepoint/v3/contenttype/forms"/>
   </ds:schemaRefs>
 </ds:datastoreItem>
 </file>
